--- a/presentation/Carbon Gecko.pptx
+++ b/presentation/Carbon Gecko.pptx
@@ -7913,15 +7913,15 @@
         </p:nvSpPr>
         <p:spPr>
           <a:xfrm>
-            <a:off x="1783206" y="2810545"/>
-            <a:ext cx="2686050" cy="3282189"/>
+            <a:off x="1752600" y="2810545"/>
+            <a:ext cx="2716656" cy="3282189"/>
           </a:xfrm>
           <a:prstGeom prst="rect">
             <a:avLst/>
           </a:prstGeom>
         </p:spPr>
         <p:txBody>
-          <a:bodyPr lIns="0" tIns="0" rIns="0" bIns="0" rtlCol="0" anchor="t">
+          <a:bodyPr wrap="square" lIns="0" tIns="0" rIns="0" bIns="0" rtlCol="0" anchor="t">
             <a:spAutoFit/>
           </a:bodyPr>
           <a:lstStyle/>
@@ -7932,7 +7932,7 @@
               </a:lnSpc>
             </a:pPr>
             <a:r>
-              <a:rPr lang="en-US" sz="5948">
+              <a:rPr lang="en-US" sz="5948" dirty="0">
                 <a:solidFill>
                   <a:srgbClr val="3C3836"/>
                 </a:solidFill>
@@ -7948,7 +7948,7 @@
               </a:lnSpc>
             </a:pPr>
             <a:r>
-              <a:rPr lang="en-US" sz="5948">
+              <a:rPr lang="en-US" sz="5948" dirty="0">
                 <a:solidFill>
                   <a:srgbClr val="3C3836"/>
                 </a:solidFill>
@@ -7964,7 +7964,7 @@
               </a:lnSpc>
             </a:pPr>
             <a:r>
-              <a:rPr lang="en-US" sz="5948">
+              <a:rPr lang="en-US" sz="5948" dirty="0">
                 <a:solidFill>
                   <a:srgbClr val="3C3836"/>
                 </a:solidFill>
